--- a/Web Application Technologies and Django/week3/Add HTML content assginment.pptx
+++ b/Web Application Technologies and Django/week3/Add HTML content assginment.pptx
@@ -7,7 +7,10 @@
   <p:sldIdLst>
     <p:sldId id="256" r:id="rId2"/>
     <p:sldId id="257" r:id="rId3"/>
-    <p:sldId id="258" r:id="rId4"/>
+    <p:sldId id="259" r:id="rId4"/>
+    <p:sldId id="260" r:id="rId5"/>
+    <p:sldId id="261" r:id="rId6"/>
+    <p:sldId id="258" r:id="rId7"/>
   </p:sldIdLst>
   <p:sldSz cx="12192000" cy="6858000"/>
   <p:notesSz cx="6858000" cy="9144000"/>
@@ -106,6 +109,11 @@
       </a:defRPr>
     </a:lvl9pPr>
   </p:defaultTextStyle>
+  <p:extLst>
+    <p:ext uri="{EFAFB233-063F-42B5-8137-9DF3F51BA10A}">
+      <p15:sldGuideLst xmlns:p15="http://schemas.microsoft.com/office/powerpoint/2012/main"/>
+    </p:ext>
+  </p:extLst>
 </p:presentation>
 </file>
 
@@ -3547,6 +3555,365 @@
           <p:cNvPr id="2" name="Title 1">
             <a:extLst>
               <a:ext uri="{FF2B5EF4-FFF2-40B4-BE49-F238E27FC236}">
+                <a16:creationId xmlns:a16="http://schemas.microsoft.com/office/drawing/2014/main" id="{A720AFA5-BA48-44A8-AAED-F56AEE44EF99}"/>
+              </a:ext>
+            </a:extLst>
+          </p:cNvPr>
+          <p:cNvSpPr>
+            <a:spLocks noGrp="1"/>
+          </p:cNvSpPr>
+          <p:nvPr>
+            <p:ph type="title"/>
+          </p:nvPr>
+        </p:nvSpPr>
+        <p:spPr/>
+        <p:txBody>
+          <a:bodyPr/>
+          <a:lstStyle/>
+          <a:p>
+            <a:r>
+              <a:rPr lang="en-US" dirty="0"/>
+              <a:t>Make 2 new folders</a:t>
+            </a:r>
+          </a:p>
+        </p:txBody>
+      </p:sp>
+      <p:sp>
+        <p:nvSpPr>
+          <p:cNvPr id="3" name="Content Placeholder 2">
+            <a:extLst>
+              <a:ext uri="{FF2B5EF4-FFF2-40B4-BE49-F238E27FC236}">
+                <a16:creationId xmlns:a16="http://schemas.microsoft.com/office/drawing/2014/main" id="{7BB6B2ED-1DFD-4C3A-B75E-B13FD744F842}"/>
+              </a:ext>
+            </a:extLst>
+          </p:cNvPr>
+          <p:cNvSpPr>
+            <a:spLocks noGrp="1"/>
+          </p:cNvSpPr>
+          <p:nvPr>
+            <p:ph idx="1"/>
+          </p:nvPr>
+        </p:nvSpPr>
+        <p:spPr/>
+        <p:txBody>
+          <a:bodyPr/>
+          <a:lstStyle/>
+          <a:p>
+            <a:r>
+              <a:rPr lang="en-US" dirty="0" err="1"/>
+              <a:t>mkdir</a:t>
+            </a:r>
+            <a:r>
+              <a:rPr lang="en-US" dirty="0"/>
+              <a:t>  ~/</a:t>
+            </a:r>
+            <a:r>
+              <a:rPr lang="en-US" dirty="0" err="1"/>
+              <a:t>django_projects</a:t>
+            </a:r>
+            <a:r>
+              <a:rPr lang="en-US" dirty="0"/>
+              <a:t>/</a:t>
+            </a:r>
+            <a:r>
+              <a:rPr lang="en-US" dirty="0" err="1"/>
+              <a:t>mysite</a:t>
+            </a:r>
+            <a:r>
+              <a:rPr lang="en-US" dirty="0"/>
+              <a:t>/site</a:t>
+            </a:r>
+          </a:p>
+          <a:p>
+            <a:r>
+              <a:rPr lang="en-US" dirty="0" err="1"/>
+              <a:t>mkdir</a:t>
+            </a:r>
+            <a:r>
+              <a:rPr lang="en-US" dirty="0"/>
+              <a:t>  ~/</a:t>
+            </a:r>
+            <a:r>
+              <a:rPr lang="en-US" dirty="0" err="1"/>
+              <a:t>django_projects</a:t>
+            </a:r>
+            <a:r>
+              <a:rPr lang="en-US" dirty="0"/>
+              <a:t>/</a:t>
+            </a:r>
+            <a:r>
+              <a:rPr lang="en-US" dirty="0" err="1"/>
+              <a:t>msite</a:t>
+            </a:r>
+            <a:r>
+              <a:rPr lang="en-US" dirty="0"/>
+              <a:t>/site/subfolder</a:t>
+            </a:r>
+          </a:p>
+          <a:p>
+            <a:endParaRPr lang="en-US" dirty="0"/>
+          </a:p>
+          <a:p>
+            <a:endParaRPr lang="en-US" dirty="0"/>
+          </a:p>
+        </p:txBody>
+      </p:sp>
+    </p:spTree>
+    <p:extLst>
+      <p:ext uri="{BB962C8B-B14F-4D97-AF65-F5344CB8AC3E}">
+        <p14:creationId xmlns:p14="http://schemas.microsoft.com/office/powerpoint/2010/main" val="1519558580"/>
+      </p:ext>
+    </p:extLst>
+  </p:cSld>
+  <p:clrMapOvr>
+    <a:masterClrMapping/>
+  </p:clrMapOvr>
+</p:sld>
+</file>
+
+<file path=ppt/slides/slide4.xml><?xml version="1.0" encoding="utf-8"?>
+<p:sld xmlns:a="http://schemas.openxmlformats.org/drawingml/2006/main" xmlns:r="http://schemas.openxmlformats.org/officeDocument/2006/relationships" xmlns:p="http://schemas.openxmlformats.org/presentationml/2006/main">
+  <p:cSld>
+    <p:spTree>
+      <p:nvGrpSpPr>
+        <p:cNvPr id="1" name=""/>
+        <p:cNvGrpSpPr/>
+        <p:nvPr/>
+      </p:nvGrpSpPr>
+      <p:grpSpPr>
+        <a:xfrm>
+          <a:off x="0" y="0"/>
+          <a:ext cx="0" cy="0"/>
+          <a:chOff x="0" y="0"/>
+          <a:chExt cx="0" cy="0"/>
+        </a:xfrm>
+      </p:grpSpPr>
+      <p:sp>
+        <p:nvSpPr>
+          <p:cNvPr id="2" name="Title 1">
+            <a:extLst>
+              <a:ext uri="{FF2B5EF4-FFF2-40B4-BE49-F238E27FC236}">
+                <a16:creationId xmlns:a16="http://schemas.microsoft.com/office/drawing/2014/main" id="{6A321DD6-E1FE-4464-9868-8B87750D83FF}"/>
+              </a:ext>
+            </a:extLst>
+          </p:cNvPr>
+          <p:cNvSpPr>
+            <a:spLocks noGrp="1"/>
+          </p:cNvSpPr>
+          <p:nvPr>
+            <p:ph type="title"/>
+          </p:nvPr>
+        </p:nvSpPr>
+        <p:spPr/>
+        <p:txBody>
+          <a:bodyPr/>
+          <a:lstStyle/>
+          <a:p>
+            <a:r>
+              <a:rPr lang="en-US" dirty="0"/>
+              <a:t>Create file </a:t>
+            </a:r>
+          </a:p>
+        </p:txBody>
+      </p:sp>
+      <p:sp>
+        <p:nvSpPr>
+          <p:cNvPr id="3" name="Content Placeholder 2">
+            <a:extLst>
+              <a:ext uri="{FF2B5EF4-FFF2-40B4-BE49-F238E27FC236}">
+                <a16:creationId xmlns:a16="http://schemas.microsoft.com/office/drawing/2014/main" id="{3DC80778-0C55-4094-BBBA-4E81CC6E53B1}"/>
+              </a:ext>
+            </a:extLst>
+          </p:cNvPr>
+          <p:cNvSpPr>
+            <a:spLocks noGrp="1"/>
+          </p:cNvSpPr>
+          <p:nvPr>
+            <p:ph idx="1"/>
+          </p:nvPr>
+        </p:nvSpPr>
+        <p:spPr/>
+        <p:txBody>
+          <a:bodyPr/>
+          <a:lstStyle/>
+          <a:p>
+            <a:r>
+              <a:rPr lang="en-US" dirty="0"/>
+              <a:t>Create file at ~/</a:t>
+            </a:r>
+            <a:r>
+              <a:rPr lang="en-US" dirty="0" err="1"/>
+              <a:t>django_projects</a:t>
+            </a:r>
+            <a:r>
+              <a:rPr lang="en-US" dirty="0"/>
+              <a:t>/</a:t>
+            </a:r>
+            <a:r>
+              <a:rPr lang="en-US" dirty="0" err="1"/>
+              <a:t>mysite</a:t>
+            </a:r>
+            <a:r>
+              <a:rPr lang="en-US" dirty="0"/>
+              <a:t>/site/hello.txt with the text “Hello World”</a:t>
+            </a:r>
+          </a:p>
+          <a:p>
+            <a:endParaRPr lang="en-US" dirty="0"/>
+          </a:p>
+          <a:p>
+            <a:r>
+              <a:rPr lang="en-US" dirty="0"/>
+              <a:t>Create file at ~/</a:t>
+            </a:r>
+            <a:r>
+              <a:rPr lang="en-US" dirty="0" err="1"/>
+              <a:t>django_projects</a:t>
+            </a:r>
+            <a:r>
+              <a:rPr lang="en-US" dirty="0"/>
+              <a:t>/</a:t>
+            </a:r>
+            <a:r>
+              <a:rPr lang="en-US" dirty="0" err="1"/>
+              <a:t>mysite</a:t>
+            </a:r>
+            <a:r>
+              <a:rPr lang="en-US" dirty="0"/>
+              <a:t>/site/subfolder/hello.html with the text</a:t>
+            </a:r>
+          </a:p>
+          <a:p>
+            <a:pPr lvl="1"/>
+            <a:r>
+              <a:rPr lang="en-US" dirty="0"/>
+              <a:t>&lt;h1&gt;Hello there!&lt;/h1&gt;</a:t>
+            </a:r>
+          </a:p>
+        </p:txBody>
+      </p:sp>
+    </p:spTree>
+    <p:extLst>
+      <p:ext uri="{BB962C8B-B14F-4D97-AF65-F5344CB8AC3E}">
+        <p14:creationId xmlns:p14="http://schemas.microsoft.com/office/powerpoint/2010/main" val="1932946661"/>
+      </p:ext>
+    </p:extLst>
+  </p:cSld>
+  <p:clrMapOvr>
+    <a:masterClrMapping/>
+  </p:clrMapOvr>
+</p:sld>
+</file>
+
+<file path=ppt/slides/slide5.xml><?xml version="1.0" encoding="utf-8"?>
+<p:sld xmlns:a="http://schemas.openxmlformats.org/drawingml/2006/main" xmlns:r="http://schemas.openxmlformats.org/officeDocument/2006/relationships" xmlns:p="http://schemas.openxmlformats.org/presentationml/2006/main">
+  <p:cSld>
+    <p:spTree>
+      <p:nvGrpSpPr>
+        <p:cNvPr id="1" name=""/>
+        <p:cNvGrpSpPr/>
+        <p:nvPr/>
+      </p:nvGrpSpPr>
+      <p:grpSpPr>
+        <a:xfrm>
+          <a:off x="0" y="0"/>
+          <a:ext cx="0" cy="0"/>
+          <a:chOff x="0" y="0"/>
+          <a:chExt cx="0" cy="0"/>
+        </a:xfrm>
+      </p:grpSpPr>
+      <p:sp>
+        <p:nvSpPr>
+          <p:cNvPr id="2" name="Title 1">
+            <a:extLst>
+              <a:ext uri="{FF2B5EF4-FFF2-40B4-BE49-F238E27FC236}">
+                <a16:creationId xmlns:a16="http://schemas.microsoft.com/office/drawing/2014/main" id="{C85054CD-44E1-4B96-88E0-D503F94F84F2}"/>
+              </a:ext>
+            </a:extLst>
+          </p:cNvPr>
+          <p:cNvSpPr>
+            <a:spLocks noGrp="1"/>
+          </p:cNvSpPr>
+          <p:nvPr>
+            <p:ph type="title"/>
+          </p:nvPr>
+        </p:nvSpPr>
+        <p:spPr/>
+        <p:txBody>
+          <a:bodyPr/>
+          <a:lstStyle/>
+          <a:p>
+            <a:r>
+              <a:rPr lang="en-US" dirty="0"/>
+              <a:t>Change ~/django_projects/mysite/mysite/urls.py</a:t>
+            </a:r>
+          </a:p>
+        </p:txBody>
+      </p:sp>
+      <p:pic>
+        <p:nvPicPr>
+          <p:cNvPr id="5" name="Content Placeholder 4">
+            <a:extLst>
+              <a:ext uri="{FF2B5EF4-FFF2-40B4-BE49-F238E27FC236}">
+                <a16:creationId xmlns:a16="http://schemas.microsoft.com/office/drawing/2014/main" id="{B20558AA-33B3-4E4D-8A7D-A0C6E5B4148D}"/>
+              </a:ext>
+            </a:extLst>
+          </p:cNvPr>
+          <p:cNvPicPr>
+            <a:picLocks noGrp="1" noChangeAspect="1"/>
+          </p:cNvPicPr>
+          <p:nvPr>
+            <p:ph idx="1"/>
+          </p:nvPr>
+        </p:nvPicPr>
+        <p:blipFill>
+          <a:blip r:embed="rId2"/>
+          <a:stretch>
+            <a:fillRect/>
+          </a:stretch>
+        </p:blipFill>
+        <p:spPr>
+          <a:xfrm>
+            <a:off x="945636" y="1871807"/>
+            <a:ext cx="7437453" cy="4351338"/>
+          </a:xfrm>
+        </p:spPr>
+      </p:pic>
+    </p:spTree>
+    <p:extLst>
+      <p:ext uri="{BB962C8B-B14F-4D97-AF65-F5344CB8AC3E}">
+        <p14:creationId xmlns:p14="http://schemas.microsoft.com/office/powerpoint/2010/main" val="3976613693"/>
+      </p:ext>
+    </p:extLst>
+  </p:cSld>
+  <p:clrMapOvr>
+    <a:masterClrMapping/>
+  </p:clrMapOvr>
+</p:sld>
+</file>
+
+<file path=ppt/slides/slide6.xml><?xml version="1.0" encoding="utf-8"?>
+<p:sld xmlns:a="http://schemas.openxmlformats.org/drawingml/2006/main" xmlns:r="http://schemas.openxmlformats.org/officeDocument/2006/relationships" xmlns:p="http://schemas.openxmlformats.org/presentationml/2006/main">
+  <p:cSld>
+    <p:spTree>
+      <p:nvGrpSpPr>
+        <p:cNvPr id="1" name=""/>
+        <p:cNvGrpSpPr/>
+        <p:nvPr/>
+      </p:nvGrpSpPr>
+      <p:grpSpPr>
+        <a:xfrm>
+          <a:off x="0" y="0"/>
+          <a:ext cx="0" cy="0"/>
+          <a:chOff x="0" y="0"/>
+          <a:chExt cx="0" cy="0"/>
+        </a:xfrm>
+      </p:grpSpPr>
+      <p:sp>
+        <p:nvSpPr>
+          <p:cNvPr id="2" name="Title 1">
+            <a:extLst>
+              <a:ext uri="{FF2B5EF4-FFF2-40B4-BE49-F238E27FC236}">
                 <a16:creationId xmlns:a16="http://schemas.microsoft.com/office/drawing/2014/main" id="{AE224F47-95C4-4BBB-8EAE-192918C22B7E}"/>
               </a:ext>
             </a:extLst>
@@ -3565,8 +3932,13 @@
           <a:p>
             <a:r>
               <a:rPr lang="en-US" dirty="0"/>
-              <a:t>Final result</a:t>
-            </a:r>
+              <a:t>Final result (</a:t>
+            </a:r>
+            <a:r>
+              <a:rPr lang="en-US"/>
+              <a:t>xxx.pythonanywhere.com/site)</a:t>
+            </a:r>
+            <a:endParaRPr lang="en-US" dirty="0"/>
           </a:p>
         </p:txBody>
       </p:sp>
